--- a/Seminar/Branch.pptx
+++ b/Seminar/Branch.pptx
@@ -5,10 +5,10 @@
     <p:sldMasterId id="2147483716" r:id="rId1"/>
   </p:sldMasterIdLst>
   <p:notesMasterIdLst>
-    <p:notesMasterId r:id="rId36"/>
+    <p:notesMasterId r:id="rId37"/>
   </p:notesMasterIdLst>
   <p:handoutMasterIdLst>
-    <p:handoutMasterId r:id="rId37"/>
+    <p:handoutMasterId r:id="rId38"/>
   </p:handoutMasterIdLst>
   <p:sldIdLst>
     <p:sldId id="464" r:id="rId2"/>
@@ -40,11 +40,12 @@
     <p:sldId id="531" r:id="rId28"/>
     <p:sldId id="530" r:id="rId29"/>
     <p:sldId id="532" r:id="rId30"/>
-    <p:sldId id="533" r:id="rId31"/>
-    <p:sldId id="534" r:id="rId32"/>
-    <p:sldId id="538" r:id="rId33"/>
-    <p:sldId id="537" r:id="rId34"/>
-    <p:sldId id="539" r:id="rId35"/>
+    <p:sldId id="541" r:id="rId31"/>
+    <p:sldId id="533" r:id="rId32"/>
+    <p:sldId id="534" r:id="rId33"/>
+    <p:sldId id="538" r:id="rId34"/>
+    <p:sldId id="537" r:id="rId35"/>
+    <p:sldId id="539" r:id="rId36"/>
   </p:sldIdLst>
   <p:sldSz cx="12192000" cy="6858000"/>
   <p:notesSz cx="6858000" cy="9144000"/>
@@ -408,7 +409,7 @@
           <a:p>
             <a:fld id="{CFFFF55F-8596-4ED6-A487-C5C49AFFE812}" type="datetimeFigureOut">
               <a:rPr lang="id-ID" smtClean="0"/>
-              <a:t>17/04/2023</a:t>
+              <a:t>18/04/2023</a:t>
             </a:fld>
             <a:endParaRPr lang="id-ID"/>
           </a:p>
@@ -14838,7 +14839,7 @@
         </p:nvSpPr>
         <p:spPr>
           <a:xfrm>
-            <a:off x="3483864" y="3105834"/>
+            <a:off x="3483864" y="3352210"/>
             <a:ext cx="5126735" cy="646331"/>
           </a:xfrm>
           <a:prstGeom prst="rect">
@@ -14917,7 +14918,7 @@
         </p:blipFill>
         <p:spPr>
           <a:xfrm>
-            <a:off x="4366970" y="3929344"/>
+            <a:off x="4366970" y="4065690"/>
             <a:ext cx="3458058" cy="1629002"/>
           </a:xfrm>
           <a:prstGeom prst="rect">
@@ -14940,7 +14941,7 @@
         <p:spPr>
           <a:xfrm>
             <a:off x="3483864" y="2208011"/>
-            <a:ext cx="5126735" cy="923330"/>
+            <a:ext cx="5126735" cy="1200329"/>
           </a:xfrm>
           <a:prstGeom prst="rect">
             <a:avLst/>
@@ -14962,7 +14963,7 @@
                 <a:ea typeface="Roboto" panose="02000000000000000000" pitchFamily="2" charset="0"/>
                 <a:cs typeface="Roboto" panose="02000000000000000000" pitchFamily="2" charset="0"/>
               </a:rPr>
-              <a:t>Invest $100m on stocks, bonds and cash. Stocks are risky so stocks = 1/3 bonds. 25% sum(stocks, bonds) must be converted in cash.</a:t>
+              <a:t>Invest $100m on stocks(10%), bonds(7%) and cash(3%). Stocks are risky so less than 1/3 bonds. 25% sum(stocks, bonds) must be converted in cash.</a:t>
             </a:r>
           </a:p>
         </p:txBody>
@@ -14981,7 +14982,7 @@
         </p:nvSpPr>
         <p:spPr>
           <a:xfrm>
-            <a:off x="2889505" y="5797925"/>
+            <a:off x="2889505" y="5919869"/>
             <a:ext cx="6810710" cy="369332"/>
           </a:xfrm>
           <a:prstGeom prst="rect">
@@ -19008,6 +19009,192 @@
           </a:p>
         </p:txBody>
       </p:sp>
+      <p:sp>
+        <p:nvSpPr>
+          <p:cNvPr id="2" name="TextBox 1">
+            <a:extLst>
+              <a:ext uri="{FF2B5EF4-FFF2-40B4-BE49-F238E27FC236}">
+                <a16:creationId xmlns:a16="http://schemas.microsoft.com/office/drawing/2014/main" id="{366DBCC4-F8CB-EE2B-8ECD-61963964EADD}"/>
+              </a:ext>
+            </a:extLst>
+          </p:cNvPr>
+          <p:cNvSpPr txBox="1"/>
+          <p:nvPr/>
+        </p:nvSpPr>
+        <p:spPr>
+          <a:xfrm>
+            <a:off x="3483864" y="2208011"/>
+            <a:ext cx="5126735" cy="369332"/>
+          </a:xfrm>
+          <a:prstGeom prst="rect">
+            <a:avLst/>
+          </a:prstGeom>
+          <a:noFill/>
+        </p:spPr>
+        <p:txBody>
+          <a:bodyPr wrap="square" rtlCol="0">
+            <a:spAutoFit/>
+          </a:bodyPr>
+          <a:lstStyle/>
+          <a:p>
+            <a:pPr algn="ctr"/>
+            <a:r>
+              <a:rPr lang="en-US" dirty="0">
+                <a:solidFill>
+                  <a:srgbClr val="FCFCFC"/>
+                </a:solidFill>
+                <a:latin typeface="Roboto" panose="02000000000000000000" pitchFamily="2" charset="0"/>
+                <a:ea typeface="Roboto" panose="02000000000000000000" pitchFamily="2" charset="0"/>
+                <a:cs typeface="Roboto" panose="02000000000000000000" pitchFamily="2" charset="0"/>
+              </a:rPr>
+              <a:t>Example 2</a:t>
+            </a:r>
+          </a:p>
+        </p:txBody>
+      </p:sp>
+      <p:pic>
+        <p:nvPicPr>
+          <p:cNvPr id="5" name="Picture 4">
+            <a:extLst>
+              <a:ext uri="{FF2B5EF4-FFF2-40B4-BE49-F238E27FC236}">
+                <a16:creationId xmlns:a16="http://schemas.microsoft.com/office/drawing/2014/main" id="{750A2307-8BED-71C4-1F93-9E39EC0735B0}"/>
+              </a:ext>
+            </a:extLst>
+          </p:cNvPr>
+          <p:cNvPicPr>
+            <a:picLocks noChangeAspect="1"/>
+          </p:cNvPicPr>
+          <p:nvPr/>
+        </p:nvPicPr>
+        <p:blipFill>
+          <a:blip r:embed="rId2"/>
+          <a:stretch>
+            <a:fillRect/>
+          </a:stretch>
+        </p:blipFill>
+        <p:spPr>
+          <a:xfrm>
+            <a:off x="4124050" y="3035334"/>
+            <a:ext cx="3943900" cy="2276793"/>
+          </a:xfrm>
+          <a:prstGeom prst="rect">
+            <a:avLst/>
+          </a:prstGeom>
+        </p:spPr>
+      </p:pic>
+    </p:spTree>
+    <p:extLst>
+      <p:ext uri="{BB962C8B-B14F-4D97-AF65-F5344CB8AC3E}">
+        <p14:creationId xmlns:p14="http://schemas.microsoft.com/office/powerpoint/2010/main" val="929686227"/>
+      </p:ext>
+    </p:extLst>
+  </p:cSld>
+  <p:clrMapOvr>
+    <a:masterClrMapping/>
+  </p:clrMapOvr>
+</p:sld>
+</file>
+
+<file path=ppt/slides/slide31.xml><?xml version="1.0" encoding="utf-8"?>
+<p:sld xmlns:a="http://schemas.openxmlformats.org/drawingml/2006/main" xmlns:r="http://schemas.openxmlformats.org/officeDocument/2006/relationships" xmlns:p="http://schemas.openxmlformats.org/presentationml/2006/main">
+  <p:cSld>
+    <p:spTree>
+      <p:nvGrpSpPr>
+        <p:cNvPr id="1" name=""/>
+        <p:cNvGrpSpPr/>
+        <p:nvPr/>
+      </p:nvGrpSpPr>
+      <p:grpSpPr>
+        <a:xfrm>
+          <a:off x="0" y="0"/>
+          <a:ext cx="0" cy="0"/>
+          <a:chOff x="0" y="0"/>
+          <a:chExt cx="0" cy="0"/>
+        </a:xfrm>
+      </p:grpSpPr>
+      <p:sp>
+        <p:nvSpPr>
+          <p:cNvPr id="7" name="TextBox 6">
+            <a:extLst>
+              <a:ext uri="{FF2B5EF4-FFF2-40B4-BE49-F238E27FC236}">
+                <a16:creationId xmlns:a16="http://schemas.microsoft.com/office/drawing/2014/main" id="{5E9F7702-AEF4-4C43-A176-35FB44FAA5AF}"/>
+              </a:ext>
+            </a:extLst>
+          </p:cNvPr>
+          <p:cNvSpPr txBox="1"/>
+          <p:nvPr/>
+        </p:nvSpPr>
+        <p:spPr>
+          <a:xfrm>
+            <a:off x="1307592" y="938131"/>
+            <a:ext cx="9747504" cy="811889"/>
+          </a:xfrm>
+          <a:prstGeom prst="rect">
+            <a:avLst/>
+          </a:prstGeom>
+          <a:noFill/>
+          <a:ln>
+            <a:noFill/>
+          </a:ln>
+        </p:spPr>
+        <p:txBody>
+          <a:bodyPr wrap="square" rtlCol="0">
+            <a:spAutoFit/>
+          </a:bodyPr>
+          <a:lstStyle/>
+          <a:p>
+            <a:pPr algn="ctr">
+              <a:lnSpc>
+                <a:spcPts val="5900"/>
+              </a:lnSpc>
+            </a:pPr>
+            <a:r>
+              <a:rPr lang="en-US" sz="4800" dirty="0">
+                <a:solidFill>
+                  <a:schemeClr val="bg1"/>
+                </a:solidFill>
+                <a:latin typeface="Montserrat Black" panose="00000A00000000000000" pitchFamily="50" charset="0"/>
+              </a:rPr>
+              <a:t>Integer linear programming</a:t>
+            </a:r>
+            <a:endParaRPr lang="id-ID" sz="4800" dirty="0">
+              <a:solidFill>
+                <a:schemeClr val="bg1"/>
+              </a:solidFill>
+              <a:latin typeface="Montserrat Black" panose="00000A00000000000000" pitchFamily="50" charset="0"/>
+            </a:endParaRPr>
+          </a:p>
+        </p:txBody>
+      </p:sp>
+      <p:sp>
+        <p:nvSpPr>
+          <p:cNvPr id="3" name="Slide Number Placeholder 2">
+            <a:extLst>
+              <a:ext uri="{FF2B5EF4-FFF2-40B4-BE49-F238E27FC236}">
+                <a16:creationId xmlns:a16="http://schemas.microsoft.com/office/drawing/2014/main" id="{0B50EF00-33CB-01B2-FF75-87D32AB44D17}"/>
+              </a:ext>
+            </a:extLst>
+          </p:cNvPr>
+          <p:cNvSpPr>
+            <a:spLocks noGrp="1"/>
+          </p:cNvSpPr>
+          <p:nvPr>
+            <p:ph type="sldNum" sz="quarter" idx="18"/>
+          </p:nvPr>
+        </p:nvSpPr>
+        <p:spPr/>
+        <p:txBody>
+          <a:bodyPr/>
+          <a:lstStyle/>
+          <a:p>
+            <a:fld id="{3283E293-DE0D-4086-B865-FFFB17575F2B}" type="slidenum">
+              <a:rPr lang="en-US" smtClean="0"/>
+              <a:t>31</a:t>
+            </a:fld>
+            <a:endParaRPr lang="en-US"/>
+          </a:p>
+        </p:txBody>
+      </p:sp>
       <p:pic>
         <p:nvPicPr>
           <p:cNvPr id="4" name="Picture 3">
@@ -19051,212 +19238,6 @@
 </p:sld>
 </file>
 
-<file path=ppt/slides/slide31.xml><?xml version="1.0" encoding="utf-8"?>
-<p:sld xmlns:a="http://schemas.openxmlformats.org/drawingml/2006/main" xmlns:r="http://schemas.openxmlformats.org/officeDocument/2006/relationships" xmlns:p="http://schemas.openxmlformats.org/presentationml/2006/main">
-  <p:cSld>
-    <p:spTree>
-      <p:nvGrpSpPr>
-        <p:cNvPr id="1" name=""/>
-        <p:cNvGrpSpPr/>
-        <p:nvPr/>
-      </p:nvGrpSpPr>
-      <p:grpSpPr>
-        <a:xfrm>
-          <a:off x="0" y="0"/>
-          <a:ext cx="0" cy="0"/>
-          <a:chOff x="0" y="0"/>
-          <a:chExt cx="0" cy="0"/>
-        </a:xfrm>
-      </p:grpSpPr>
-      <p:sp>
-        <p:nvSpPr>
-          <p:cNvPr id="7" name="TextBox 6">
-            <a:extLst>
-              <a:ext uri="{FF2B5EF4-FFF2-40B4-BE49-F238E27FC236}">
-                <a16:creationId xmlns:a16="http://schemas.microsoft.com/office/drawing/2014/main" id="{5E9F7702-AEF4-4C43-A176-35FB44FAA5AF}"/>
-              </a:ext>
-            </a:extLst>
-          </p:cNvPr>
-          <p:cNvSpPr txBox="1"/>
-          <p:nvPr/>
-        </p:nvSpPr>
-        <p:spPr>
-          <a:xfrm>
-            <a:off x="1307592" y="938131"/>
-            <a:ext cx="9747504" cy="811889"/>
-          </a:xfrm>
-          <a:prstGeom prst="rect">
-            <a:avLst/>
-          </a:prstGeom>
-          <a:noFill/>
-          <a:ln>
-            <a:noFill/>
-          </a:ln>
-        </p:spPr>
-        <p:txBody>
-          <a:bodyPr wrap="square" rtlCol="0">
-            <a:spAutoFit/>
-          </a:bodyPr>
-          <a:lstStyle/>
-          <a:p>
-            <a:pPr algn="ctr">
-              <a:lnSpc>
-                <a:spcPts val="5900"/>
-              </a:lnSpc>
-            </a:pPr>
-            <a:r>
-              <a:rPr lang="en-US" sz="4800" dirty="0">
-                <a:solidFill>
-                  <a:schemeClr val="bg1"/>
-                </a:solidFill>
-                <a:latin typeface="Montserrat Black" panose="00000A00000000000000" pitchFamily="50" charset="0"/>
-              </a:rPr>
-              <a:t>Integer linear programming</a:t>
-            </a:r>
-            <a:endParaRPr lang="id-ID" sz="4800" dirty="0">
-              <a:solidFill>
-                <a:schemeClr val="bg1"/>
-              </a:solidFill>
-              <a:latin typeface="Montserrat Black" panose="00000A00000000000000" pitchFamily="50" charset="0"/>
-            </a:endParaRPr>
-          </a:p>
-        </p:txBody>
-      </p:sp>
-      <p:sp>
-        <p:nvSpPr>
-          <p:cNvPr id="3" name="Slide Number Placeholder 2">
-            <a:extLst>
-              <a:ext uri="{FF2B5EF4-FFF2-40B4-BE49-F238E27FC236}">
-                <a16:creationId xmlns:a16="http://schemas.microsoft.com/office/drawing/2014/main" id="{0B50EF00-33CB-01B2-FF75-87D32AB44D17}"/>
-              </a:ext>
-            </a:extLst>
-          </p:cNvPr>
-          <p:cNvSpPr>
-            <a:spLocks noGrp="1"/>
-          </p:cNvSpPr>
-          <p:nvPr>
-            <p:ph type="sldNum" sz="quarter" idx="18"/>
-          </p:nvPr>
-        </p:nvSpPr>
-        <p:spPr/>
-        <p:txBody>
-          <a:bodyPr/>
-          <a:lstStyle/>
-          <a:p>
-            <a:fld id="{3283E293-DE0D-4086-B865-FFFB17575F2B}" type="slidenum">
-              <a:rPr lang="en-US" smtClean="0"/>
-              <a:t>31</a:t>
-            </a:fld>
-            <a:endParaRPr lang="en-US"/>
-          </a:p>
-        </p:txBody>
-      </p:sp>
-      <p:sp>
-        <p:nvSpPr>
-          <p:cNvPr id="2" name="TextBox 1">
-            <a:extLst>
-              <a:ext uri="{FF2B5EF4-FFF2-40B4-BE49-F238E27FC236}">
-                <a16:creationId xmlns:a16="http://schemas.microsoft.com/office/drawing/2014/main" id="{366DBCC4-F8CB-EE2B-8ECD-61963964EADD}"/>
-              </a:ext>
-            </a:extLst>
-          </p:cNvPr>
-          <p:cNvSpPr txBox="1"/>
-          <p:nvPr/>
-        </p:nvSpPr>
-        <p:spPr>
-          <a:xfrm>
-            <a:off x="3483864" y="2208011"/>
-            <a:ext cx="5126735" cy="1477328"/>
-          </a:xfrm>
-          <a:prstGeom prst="rect">
-            <a:avLst/>
-          </a:prstGeom>
-          <a:noFill/>
-        </p:spPr>
-        <p:txBody>
-          <a:bodyPr wrap="square" rtlCol="0">
-            <a:spAutoFit/>
-          </a:bodyPr>
-          <a:lstStyle/>
-          <a:p>
-            <a:r>
-              <a:rPr lang="en-US" dirty="0">
-                <a:solidFill>
-                  <a:srgbClr val="FCFCFC"/>
-                </a:solidFill>
-                <a:latin typeface="Roboto" panose="02000000000000000000" pitchFamily="2" charset="0"/>
-                <a:ea typeface="Roboto" panose="02000000000000000000" pitchFamily="2" charset="0"/>
-                <a:cs typeface="Roboto" panose="02000000000000000000" pitchFamily="2" charset="0"/>
-              </a:rPr>
-              <a:t>Pruning subproblem:</a:t>
-            </a:r>
-          </a:p>
-          <a:p>
-            <a:pPr marL="285750" indent="-285750">
-              <a:buFont typeface="Arial" panose="020B0604020202020204" pitchFamily="34" charset="0"/>
-              <a:buChar char="•"/>
-            </a:pPr>
-            <a:r>
-              <a:rPr lang="en-US" dirty="0">
-                <a:solidFill>
-                  <a:srgbClr val="FCFCFC"/>
-                </a:solidFill>
-                <a:latin typeface="Roboto" panose="02000000000000000000" pitchFamily="2" charset="0"/>
-                <a:ea typeface="Roboto" panose="02000000000000000000" pitchFamily="2" charset="0"/>
-                <a:cs typeface="Roboto" panose="02000000000000000000" pitchFamily="2" charset="0"/>
-              </a:rPr>
-              <a:t>Has optimal solution z &lt; z* (z* is the current best solution).</a:t>
-            </a:r>
-          </a:p>
-          <a:p>
-            <a:pPr marL="285750" indent="-285750">
-              <a:buFont typeface="Arial" panose="020B0604020202020204" pitchFamily="34" charset="0"/>
-              <a:buChar char="•"/>
-            </a:pPr>
-            <a:r>
-              <a:rPr lang="en-US" dirty="0">
-                <a:solidFill>
-                  <a:srgbClr val="FCFCFC"/>
-                </a:solidFill>
-                <a:latin typeface="Roboto" panose="02000000000000000000" pitchFamily="2" charset="0"/>
-                <a:ea typeface="Roboto" panose="02000000000000000000" pitchFamily="2" charset="0"/>
-                <a:cs typeface="Roboto" panose="02000000000000000000" pitchFamily="2" charset="0"/>
-              </a:rPr>
-              <a:t>No feasible solution.</a:t>
-            </a:r>
-          </a:p>
-          <a:p>
-            <a:pPr marL="285750" indent="-285750">
-              <a:buFont typeface="Arial" panose="020B0604020202020204" pitchFamily="34" charset="0"/>
-              <a:buChar char="•"/>
-            </a:pPr>
-            <a:r>
-              <a:rPr lang="en-US" dirty="0">
-                <a:solidFill>
-                  <a:srgbClr val="FCFCFC"/>
-                </a:solidFill>
-                <a:latin typeface="Roboto" panose="02000000000000000000" pitchFamily="2" charset="0"/>
-                <a:ea typeface="Roboto" panose="02000000000000000000" pitchFamily="2" charset="0"/>
-                <a:cs typeface="Roboto" panose="02000000000000000000" pitchFamily="2" charset="0"/>
-              </a:rPr>
-              <a:t>Optimal solution with integer value.</a:t>
-            </a:r>
-          </a:p>
-        </p:txBody>
-      </p:sp>
-    </p:spTree>
-    <p:extLst>
-      <p:ext uri="{BB962C8B-B14F-4D97-AF65-F5344CB8AC3E}">
-        <p14:creationId xmlns:p14="http://schemas.microsoft.com/office/powerpoint/2010/main" val="243362598"/>
-      </p:ext>
-    </p:extLst>
-  </p:cSld>
-  <p:clrMapOvr>
-    <a:masterClrMapping/>
-  </p:clrMapOvr>
-</p:sld>
-</file>
-
 <file path=ppt/slides/slide32.xml><?xml version="1.0" encoding="utf-8"?>
 <p:sld xmlns:a="http://schemas.openxmlformats.org/drawingml/2006/main" xmlns:r="http://schemas.openxmlformats.org/officeDocument/2006/relationships" xmlns:p="http://schemas.openxmlformats.org/presentationml/2006/main">
   <p:cSld>
@@ -19317,7 +19298,7 @@
                 </a:solidFill>
                 <a:latin typeface="Montserrat Black" panose="00000A00000000000000" pitchFamily="50" charset="0"/>
               </a:rPr>
-              <a:t>Knapsack problem</a:t>
+              <a:t>Integer linear programming</a:t>
             </a:r>
             <a:endParaRPr lang="id-ID" sz="4800" dirty="0">
               <a:solidFill>
@@ -19362,7 +19343,7 @@
           <p:cNvPr id="2" name="TextBox 1">
             <a:extLst>
               <a:ext uri="{FF2B5EF4-FFF2-40B4-BE49-F238E27FC236}">
-                <a16:creationId xmlns:a16="http://schemas.microsoft.com/office/drawing/2014/main" id="{F95B504A-983F-7B16-CBC7-C0961D988296}"/>
+                <a16:creationId xmlns:a16="http://schemas.microsoft.com/office/drawing/2014/main" id="{366DBCC4-F8CB-EE2B-8ECD-61963964EADD}"/>
               </a:ext>
             </a:extLst>
           </p:cNvPr>
@@ -19371,8 +19352,8 @@
         </p:nvSpPr>
         <p:spPr>
           <a:xfrm>
-            <a:off x="3384223" y="2208011"/>
-            <a:ext cx="5316717" cy="1200329"/>
+            <a:off x="3483864" y="2208011"/>
+            <a:ext cx="5126735" cy="1477328"/>
           </a:xfrm>
           <a:prstGeom prst="rect">
             <a:avLst/>
@@ -19394,10 +19375,16 @@
                 <a:ea typeface="Roboto" panose="02000000000000000000" pitchFamily="2" charset="0"/>
                 <a:cs typeface="Roboto" panose="02000000000000000000" pitchFamily="2" charset="0"/>
               </a:rPr>
-              <a:t>Given n items of weights w</a:t>
+              <a:t>Pruning subproblem:</a:t>
             </a:r>
+          </a:p>
+          <a:p>
+            <a:pPr marL="285750" indent="-285750">
+              <a:buFont typeface="Arial" panose="020B0604020202020204" pitchFamily="34" charset="0"/>
+              <a:buChar char="•"/>
+            </a:pPr>
             <a:r>
-              <a:rPr lang="en-US" baseline="-25000" dirty="0">
+              <a:rPr lang="en-US" dirty="0">
                 <a:solidFill>
                   <a:srgbClr val="FCFCFC"/>
                 </a:solidFill>
@@ -19405,8 +19392,14 @@
                 <a:ea typeface="Roboto" panose="02000000000000000000" pitchFamily="2" charset="0"/>
                 <a:cs typeface="Roboto" panose="02000000000000000000" pitchFamily="2" charset="0"/>
               </a:rPr>
-              <a:t>1</a:t>
+              <a:t>Has optimal solution z &lt; z* (z* is the current best solution).</a:t>
             </a:r>
+          </a:p>
+          <a:p>
+            <a:pPr marL="285750" indent="-285750">
+              <a:buFont typeface="Arial" panose="020B0604020202020204" pitchFamily="34" charset="0"/>
+              <a:buChar char="•"/>
+            </a:pPr>
             <a:r>
               <a:rPr lang="en-US" dirty="0">
                 <a:solidFill>
@@ -19416,10 +19409,16 @@
                 <a:ea typeface="Roboto" panose="02000000000000000000" pitchFamily="2" charset="0"/>
                 <a:cs typeface="Roboto" panose="02000000000000000000" pitchFamily="2" charset="0"/>
               </a:rPr>
-              <a:t>, w</a:t>
+              <a:t>No feasible solution.</a:t>
             </a:r>
+          </a:p>
+          <a:p>
+            <a:pPr marL="285750" indent="-285750">
+              <a:buFont typeface="Arial" panose="020B0604020202020204" pitchFamily="34" charset="0"/>
+              <a:buChar char="•"/>
+            </a:pPr>
             <a:r>
-              <a:rPr lang="en-US" baseline="-25000" dirty="0">
+              <a:rPr lang="en-US" dirty="0">
                 <a:solidFill>
                   <a:srgbClr val="FCFCFC"/>
                 </a:solidFill>
@@ -19427,344 +19426,79 @@
                 <a:ea typeface="Roboto" panose="02000000000000000000" pitchFamily="2" charset="0"/>
                 <a:cs typeface="Roboto" panose="02000000000000000000" pitchFamily="2" charset="0"/>
               </a:rPr>
-              <a:t>2</a:t>
+              <a:t>Optimal solution with integer value.</a:t>
             </a:r>
-            <a:r>
-              <a:rPr lang="en-US" dirty="0">
-                <a:solidFill>
-                  <a:srgbClr val="FCFCFC"/>
-                </a:solidFill>
-                <a:latin typeface="Roboto" panose="02000000000000000000" pitchFamily="2" charset="0"/>
-                <a:ea typeface="Roboto" panose="02000000000000000000" pitchFamily="2" charset="0"/>
-                <a:cs typeface="Roboto" panose="02000000000000000000" pitchFamily="2" charset="0"/>
-              </a:rPr>
-              <a:t>, …, </a:t>
-            </a:r>
-            <a:r>
-              <a:rPr lang="en-US" dirty="0" err="1">
-                <a:solidFill>
-                  <a:srgbClr val="FCFCFC"/>
-                </a:solidFill>
-                <a:latin typeface="Roboto" panose="02000000000000000000" pitchFamily="2" charset="0"/>
-                <a:ea typeface="Roboto" panose="02000000000000000000" pitchFamily="2" charset="0"/>
-                <a:cs typeface="Roboto" panose="02000000000000000000" pitchFamily="2" charset="0"/>
-              </a:rPr>
-              <a:t>w</a:t>
-            </a:r>
-            <a:r>
-              <a:rPr lang="en-US" baseline="-25000" dirty="0" err="1">
-                <a:solidFill>
-                  <a:srgbClr val="FCFCFC"/>
-                </a:solidFill>
-                <a:latin typeface="Roboto" panose="02000000000000000000" pitchFamily="2" charset="0"/>
-                <a:ea typeface="Roboto" panose="02000000000000000000" pitchFamily="2" charset="0"/>
-                <a:cs typeface="Roboto" panose="02000000000000000000" pitchFamily="2" charset="0"/>
-              </a:rPr>
-              <a:t>n</a:t>
-            </a:r>
-            <a:r>
-              <a:rPr lang="en-US" dirty="0">
-                <a:solidFill>
-                  <a:srgbClr val="FCFCFC"/>
-                </a:solidFill>
-                <a:latin typeface="Roboto" panose="02000000000000000000" pitchFamily="2" charset="0"/>
-                <a:ea typeface="Roboto" panose="02000000000000000000" pitchFamily="2" charset="0"/>
-                <a:cs typeface="Roboto" panose="02000000000000000000" pitchFamily="2" charset="0"/>
-              </a:rPr>
-              <a:t> and values v</a:t>
-            </a:r>
-            <a:r>
-              <a:rPr lang="en-US" baseline="-25000" dirty="0">
-                <a:solidFill>
-                  <a:srgbClr val="FCFCFC"/>
-                </a:solidFill>
-                <a:latin typeface="Roboto" panose="02000000000000000000" pitchFamily="2" charset="0"/>
-                <a:ea typeface="Roboto" panose="02000000000000000000" pitchFamily="2" charset="0"/>
-                <a:cs typeface="Roboto" panose="02000000000000000000" pitchFamily="2" charset="0"/>
-              </a:rPr>
-              <a:t>1</a:t>
-            </a:r>
-            <a:r>
-              <a:rPr lang="en-US" dirty="0">
-                <a:solidFill>
-                  <a:srgbClr val="FCFCFC"/>
-                </a:solidFill>
-                <a:latin typeface="Roboto" panose="02000000000000000000" pitchFamily="2" charset="0"/>
-                <a:ea typeface="Roboto" panose="02000000000000000000" pitchFamily="2" charset="0"/>
-                <a:cs typeface="Roboto" panose="02000000000000000000" pitchFamily="2" charset="0"/>
-              </a:rPr>
-              <a:t>, v</a:t>
-            </a:r>
-            <a:r>
-              <a:rPr lang="en-US" baseline="-25000" dirty="0">
-                <a:solidFill>
-                  <a:srgbClr val="FCFCFC"/>
-                </a:solidFill>
-                <a:latin typeface="Roboto" panose="02000000000000000000" pitchFamily="2" charset="0"/>
-                <a:ea typeface="Roboto" panose="02000000000000000000" pitchFamily="2" charset="0"/>
-                <a:cs typeface="Roboto" panose="02000000000000000000" pitchFamily="2" charset="0"/>
-              </a:rPr>
-              <a:t>2</a:t>
-            </a:r>
-            <a:r>
-              <a:rPr lang="en-US" dirty="0">
-                <a:solidFill>
-                  <a:srgbClr val="FCFCFC"/>
-                </a:solidFill>
-                <a:latin typeface="Roboto" panose="02000000000000000000" pitchFamily="2" charset="0"/>
-                <a:ea typeface="Roboto" panose="02000000000000000000" pitchFamily="2" charset="0"/>
-                <a:cs typeface="Roboto" panose="02000000000000000000" pitchFamily="2" charset="0"/>
-              </a:rPr>
-              <a:t>, …, </a:t>
-            </a:r>
-            <a:r>
-              <a:rPr lang="en-US" dirty="0" err="1">
-                <a:solidFill>
-                  <a:srgbClr val="FCFCFC"/>
-                </a:solidFill>
-                <a:latin typeface="Roboto" panose="02000000000000000000" pitchFamily="2" charset="0"/>
-                <a:ea typeface="Roboto" panose="02000000000000000000" pitchFamily="2" charset="0"/>
-                <a:cs typeface="Roboto" panose="02000000000000000000" pitchFamily="2" charset="0"/>
-              </a:rPr>
-              <a:t>v</a:t>
-            </a:r>
-            <a:r>
-              <a:rPr lang="en-US" baseline="-25000" dirty="0" err="1">
-                <a:solidFill>
-                  <a:srgbClr val="FCFCFC"/>
-                </a:solidFill>
-                <a:latin typeface="Roboto" panose="02000000000000000000" pitchFamily="2" charset="0"/>
-                <a:ea typeface="Roboto" panose="02000000000000000000" pitchFamily="2" charset="0"/>
-                <a:cs typeface="Roboto" panose="02000000000000000000" pitchFamily="2" charset="0"/>
-              </a:rPr>
-              <a:t>n</a:t>
-            </a:r>
-            <a:r>
-              <a:rPr lang="en-US" dirty="0">
-                <a:solidFill>
-                  <a:srgbClr val="FCFCFC"/>
-                </a:solidFill>
-                <a:latin typeface="Roboto" panose="02000000000000000000" pitchFamily="2" charset="0"/>
-                <a:ea typeface="Roboto" panose="02000000000000000000" pitchFamily="2" charset="0"/>
-                <a:cs typeface="Roboto" panose="02000000000000000000" pitchFamily="2" charset="0"/>
-              </a:rPr>
-              <a:t> and a knapsack capacity W.</a:t>
-            </a:r>
-          </a:p>
-          <a:p>
-            <a:r>
-              <a:rPr lang="en-US" dirty="0">
-                <a:solidFill>
-                  <a:srgbClr val="FCFCFC"/>
-                </a:solidFill>
-                <a:latin typeface="Roboto" panose="02000000000000000000" pitchFamily="2" charset="0"/>
-                <a:ea typeface="Roboto" panose="02000000000000000000" pitchFamily="2" charset="0"/>
-                <a:cs typeface="Roboto" panose="02000000000000000000" pitchFamily="2" charset="0"/>
-              </a:rPr>
-              <a:t>Find the most valuable subset of items fitting in W.</a:t>
-            </a:r>
-          </a:p>
-        </p:txBody>
-      </p:sp>
-      <p:pic>
-        <p:nvPicPr>
-          <p:cNvPr id="5" name="Picture 4">
-            <a:extLst>
-              <a:ext uri="{FF2B5EF4-FFF2-40B4-BE49-F238E27FC236}">
-                <a16:creationId xmlns:a16="http://schemas.microsoft.com/office/drawing/2014/main" id="{FD68EE38-8951-5B1C-671F-D916D6FBEAE6}"/>
-              </a:ext>
-            </a:extLst>
-          </p:cNvPr>
-          <p:cNvPicPr>
-            <a:picLocks noChangeAspect="1"/>
-          </p:cNvPicPr>
+          </a:p>
+        </p:txBody>
+      </p:sp>
+      <p:sp>
+        <p:nvSpPr>
+          <p:cNvPr id="4" name="TextBox 3">
+            <a:extLst>
+              <a:ext uri="{FF2B5EF4-FFF2-40B4-BE49-F238E27FC236}">
+                <a16:creationId xmlns:a16="http://schemas.microsoft.com/office/drawing/2014/main" id="{CAE3A1D6-9D81-6BF0-78DD-06629B8A8AE5}"/>
+              </a:ext>
+            </a:extLst>
+          </p:cNvPr>
+          <p:cNvSpPr txBox="1"/>
           <p:nvPr/>
-        </p:nvPicPr>
-        <p:blipFill>
-          <a:blip r:embed="rId2"/>
-          <a:stretch>
-            <a:fillRect/>
-          </a:stretch>
-        </p:blipFill>
+        </p:nvSpPr>
         <p:spPr>
           <a:xfrm>
-            <a:off x="4533936" y="5390352"/>
-            <a:ext cx="3401158" cy="811889"/>
+            <a:off x="2907792" y="4928616"/>
+            <a:ext cx="6272784" cy="369332"/>
           </a:xfrm>
           <a:prstGeom prst="rect">
             <a:avLst/>
           </a:prstGeom>
+          <a:noFill/>
         </p:spPr>
-      </p:pic>
-      <p:pic>
-        <p:nvPicPr>
-          <p:cNvPr id="6" name="Picture 5">
-            <a:extLst>
-              <a:ext uri="{FF2B5EF4-FFF2-40B4-BE49-F238E27FC236}">
-                <a16:creationId xmlns:a16="http://schemas.microsoft.com/office/drawing/2014/main" id="{04335184-34F9-1173-7BF7-221498C7B237}"/>
-              </a:ext>
-            </a:extLst>
-          </p:cNvPr>
-          <p:cNvPicPr>
-            <a:picLocks noChangeAspect="1"/>
-          </p:cNvPicPr>
-          <p:nvPr/>
-        </p:nvPicPr>
-        <p:blipFill>
-          <a:blip r:embed="rId3"/>
-          <a:stretch>
-            <a:fillRect/>
-          </a:stretch>
-        </p:blipFill>
-        <p:spPr>
-          <a:xfrm>
-            <a:off x="4591223" y="3591830"/>
-            <a:ext cx="3286584" cy="1495634"/>
-          </a:xfrm>
-          <a:prstGeom prst="rect">
-            <a:avLst/>
-          </a:prstGeom>
-        </p:spPr>
-      </p:pic>
+        <p:txBody>
+          <a:bodyPr wrap="square" rtlCol="0">
+            <a:spAutoFit/>
+          </a:bodyPr>
+          <a:lstStyle/>
+          <a:p>
+            <a:pPr algn="ctr"/>
+            <a:r>
+              <a:rPr lang="en-US" dirty="0">
+                <a:solidFill>
+                  <a:srgbClr val="FFFFFF"/>
+                </a:solidFill>
+                <a:latin typeface="Roboto" panose="02000000000000000000" pitchFamily="2" charset="0"/>
+                <a:ea typeface="Roboto" panose="02000000000000000000" pitchFamily="2" charset="0"/>
+                <a:cs typeface="Roboto" panose="02000000000000000000" pitchFamily="2" charset="0"/>
+                <a:hlinkClick r:id="rId2">
+                  <a:extLst>
+                    <a:ext uri="{A12FA001-AC4F-418D-AE19-62706E023703}">
+                      <ahyp:hlinkClr xmlns:ahyp="http://schemas.microsoft.com/office/drawing/2018/hyperlinkcolor" val="tx"/>
+                    </a:ext>
+                  </a:extLst>
+                </a:hlinkClick>
+              </a:rPr>
+              <a:t>https://www.ie.bilkent.edu.tr/~mustafap/courses/bb.pdf</a:t>
+            </a:r>
+            <a:endParaRPr lang="en-US" dirty="0">
+              <a:solidFill>
+                <a:srgbClr val="FFFFFF"/>
+              </a:solidFill>
+              <a:latin typeface="Roboto" panose="02000000000000000000" pitchFamily="2" charset="0"/>
+              <a:ea typeface="Roboto" panose="02000000000000000000" pitchFamily="2" charset="0"/>
+              <a:cs typeface="Roboto" panose="02000000000000000000" pitchFamily="2" charset="0"/>
+            </a:endParaRPr>
+          </a:p>
+        </p:txBody>
+      </p:sp>
     </p:spTree>
     <p:extLst>
       <p:ext uri="{BB962C8B-B14F-4D97-AF65-F5344CB8AC3E}">
-        <p14:creationId xmlns:p14="http://schemas.microsoft.com/office/powerpoint/2010/main" val="414811958"/>
+        <p14:creationId xmlns:p14="http://schemas.microsoft.com/office/powerpoint/2010/main" val="243362598"/>
       </p:ext>
     </p:extLst>
   </p:cSld>
   <p:clrMapOvr>
     <a:masterClrMapping/>
   </p:clrMapOvr>
-  <p:timing>
-    <p:tnLst>
-      <p:par>
-        <p:cTn id="1" dur="indefinite" restart="never" nodeType="tmRoot">
-          <p:childTnLst>
-            <p:seq concurrent="1" nextAc="seek">
-              <p:cTn id="2" dur="indefinite" nodeType="mainSeq">
-                <p:childTnLst>
-                  <p:par>
-                    <p:cTn id="3" fill="hold">
-                      <p:stCondLst>
-                        <p:cond delay="indefinite"/>
-                      </p:stCondLst>
-                      <p:childTnLst>
-                        <p:par>
-                          <p:cTn id="4" fill="hold">
-                            <p:stCondLst>
-                              <p:cond delay="0"/>
-                            </p:stCondLst>
-                            <p:childTnLst>
-                              <p:par>
-                                <p:cTn id="5" presetID="42" presetClass="entr" presetSubtype="0" fill="hold" nodeType="clickEffect">
-                                  <p:stCondLst>
-                                    <p:cond delay="0"/>
-                                  </p:stCondLst>
-                                  <p:childTnLst>
-                                    <p:set>
-                                      <p:cBhvr>
-                                        <p:cTn id="6" dur="1" fill="hold">
-                                          <p:stCondLst>
-                                            <p:cond delay="0"/>
-                                          </p:stCondLst>
-                                        </p:cTn>
-                                        <p:tgtEl>
-                                          <p:spTgt spid="5"/>
-                                        </p:tgtEl>
-                                        <p:attrNameLst>
-                                          <p:attrName>style.visibility</p:attrName>
-                                        </p:attrNameLst>
-                                      </p:cBhvr>
-                                      <p:to>
-                                        <p:strVal val="visible"/>
-                                      </p:to>
-                                    </p:set>
-                                    <p:animEffect transition="in" filter="fade">
-                                      <p:cBhvr>
-                                        <p:cTn id="7" dur="1000"/>
-                                        <p:tgtEl>
-                                          <p:spTgt spid="5"/>
-                                        </p:tgtEl>
-                                      </p:cBhvr>
-                                    </p:animEffect>
-                                    <p:anim calcmode="lin" valueType="num">
-                                      <p:cBhvr>
-                                        <p:cTn id="8" dur="1000" fill="hold"/>
-                                        <p:tgtEl>
-                                          <p:spTgt spid="5"/>
-                                        </p:tgtEl>
-                                        <p:attrNameLst>
-                                          <p:attrName>ppt_x</p:attrName>
-                                        </p:attrNameLst>
-                                      </p:cBhvr>
-                                      <p:tavLst>
-                                        <p:tav tm="0">
-                                          <p:val>
-                                            <p:strVal val="#ppt_x"/>
-                                          </p:val>
-                                        </p:tav>
-                                        <p:tav tm="100000">
-                                          <p:val>
-                                            <p:strVal val="#ppt_x"/>
-                                          </p:val>
-                                        </p:tav>
-                                      </p:tavLst>
-                                    </p:anim>
-                                    <p:anim calcmode="lin" valueType="num">
-                                      <p:cBhvr>
-                                        <p:cTn id="9" dur="1000" fill="hold"/>
-                                        <p:tgtEl>
-                                          <p:spTgt spid="5"/>
-                                        </p:tgtEl>
-                                        <p:attrNameLst>
-                                          <p:attrName>ppt_y</p:attrName>
-                                        </p:attrNameLst>
-                                      </p:cBhvr>
-                                      <p:tavLst>
-                                        <p:tav tm="0">
-                                          <p:val>
-                                            <p:strVal val="#ppt_y+.1"/>
-                                          </p:val>
-                                        </p:tav>
-                                        <p:tav tm="100000">
-                                          <p:val>
-                                            <p:strVal val="#ppt_y"/>
-                                          </p:val>
-                                        </p:tav>
-                                      </p:tavLst>
-                                    </p:anim>
-                                  </p:childTnLst>
-                                </p:cTn>
-                              </p:par>
-                            </p:childTnLst>
-                          </p:cTn>
-                        </p:par>
-                      </p:childTnLst>
-                    </p:cTn>
-                  </p:par>
-                </p:childTnLst>
-              </p:cTn>
-              <p:prevCondLst>
-                <p:cond evt="onPrev" delay="0">
-                  <p:tgtEl>
-                    <p:sldTgt/>
-                  </p:tgtEl>
-                </p:cond>
-              </p:prevCondLst>
-              <p:nextCondLst>
-                <p:cond evt="onNext" delay="0">
-                  <p:tgtEl>
-                    <p:sldTgt/>
-                  </p:tgtEl>
-                </p:cond>
-              </p:nextCondLst>
-            </p:seq>
-          </p:childTnLst>
-        </p:cTn>
-      </p:par>
-    </p:tnLst>
-  </p:timing>
 </p:sld>
 </file>
 
@@ -19828,7 +19562,7 @@
                 </a:solidFill>
                 <a:latin typeface="Montserrat Black" panose="00000A00000000000000" pitchFamily="50" charset="0"/>
               </a:rPr>
-              <a:t>Any question?</a:t>
+              <a:t>Knapsack problem</a:t>
             </a:r>
             <a:endParaRPr lang="id-ID" sz="4800" dirty="0">
               <a:solidFill>
@@ -19868,57 +19602,279 @@
           </a:p>
         </p:txBody>
       </p:sp>
-      <p:pic>
-        <p:nvPicPr>
-          <p:cNvPr id="1026" name="Picture 2">
-            <a:extLst>
-              <a:ext uri="{FF2B5EF4-FFF2-40B4-BE49-F238E27FC236}">
-                <a16:creationId xmlns:a16="http://schemas.microsoft.com/office/drawing/2014/main" id="{DA80E007-A2CE-34E4-4A0C-38B95BF59F90}"/>
-              </a:ext>
-            </a:extLst>
-          </p:cNvPr>
-          <p:cNvPicPr>
-            <a:picLocks noChangeAspect="1" noChangeArrowheads="1"/>
-          </p:cNvPicPr>
+      <p:sp>
+        <p:nvSpPr>
+          <p:cNvPr id="2" name="TextBox 1">
+            <a:extLst>
+              <a:ext uri="{FF2B5EF4-FFF2-40B4-BE49-F238E27FC236}">
+                <a16:creationId xmlns:a16="http://schemas.microsoft.com/office/drawing/2014/main" id="{F95B504A-983F-7B16-CBC7-C0961D988296}"/>
+              </a:ext>
+            </a:extLst>
+          </p:cNvPr>
+          <p:cNvSpPr txBox="1"/>
           <p:nvPr/>
-        </p:nvPicPr>
-        <p:blipFill>
-          <a:blip r:embed="rId2">
-            <a:extLst>
-              <a:ext uri="{28A0092B-C50C-407E-A947-70E740481C1C}">
-                <a14:useLocalDpi xmlns:a14="http://schemas.microsoft.com/office/drawing/2010/main" val="0"/>
-              </a:ext>
-            </a:extLst>
-          </a:blip>
-          <a:srcRect/>
-          <a:stretch>
-            <a:fillRect/>
-          </a:stretch>
-        </p:blipFill>
-        <p:spPr bwMode="auto">
+        </p:nvSpPr>
+        <p:spPr>
           <a:xfrm>
-            <a:off x="4760002" y="2093002"/>
-            <a:ext cx="2671996" cy="2671996"/>
+            <a:off x="3384223" y="2208011"/>
+            <a:ext cx="5316717" cy="1200329"/>
           </a:xfrm>
           <a:prstGeom prst="rect">
             <a:avLst/>
           </a:prstGeom>
           <a:noFill/>
-          <a:extLst>
-            <a:ext uri="{909E8E84-426E-40DD-AFC4-6F175D3DCCD1}">
-              <a14:hiddenFill xmlns:a14="http://schemas.microsoft.com/office/drawing/2010/main">
-                <a:solidFill>
-                  <a:srgbClr val="FFFFFF"/>
-                </a:solidFill>
-              </a14:hiddenFill>
-            </a:ext>
-          </a:extLst>
+        </p:spPr>
+        <p:txBody>
+          <a:bodyPr wrap="square" rtlCol="0">
+            <a:spAutoFit/>
+          </a:bodyPr>
+          <a:lstStyle/>
+          <a:p>
+            <a:r>
+              <a:rPr lang="en-US" dirty="0">
+                <a:solidFill>
+                  <a:srgbClr val="FCFCFC"/>
+                </a:solidFill>
+                <a:latin typeface="Roboto" panose="02000000000000000000" pitchFamily="2" charset="0"/>
+                <a:ea typeface="Roboto" panose="02000000000000000000" pitchFamily="2" charset="0"/>
+                <a:cs typeface="Roboto" panose="02000000000000000000" pitchFamily="2" charset="0"/>
+              </a:rPr>
+              <a:t>Given n items of weights w</a:t>
+            </a:r>
+            <a:r>
+              <a:rPr lang="en-US" baseline="-25000" dirty="0">
+                <a:solidFill>
+                  <a:srgbClr val="FCFCFC"/>
+                </a:solidFill>
+                <a:latin typeface="Roboto" panose="02000000000000000000" pitchFamily="2" charset="0"/>
+                <a:ea typeface="Roboto" panose="02000000000000000000" pitchFamily="2" charset="0"/>
+                <a:cs typeface="Roboto" panose="02000000000000000000" pitchFamily="2" charset="0"/>
+              </a:rPr>
+              <a:t>1</a:t>
+            </a:r>
+            <a:r>
+              <a:rPr lang="en-US" dirty="0">
+                <a:solidFill>
+                  <a:srgbClr val="FCFCFC"/>
+                </a:solidFill>
+                <a:latin typeface="Roboto" panose="02000000000000000000" pitchFamily="2" charset="0"/>
+                <a:ea typeface="Roboto" panose="02000000000000000000" pitchFamily="2" charset="0"/>
+                <a:cs typeface="Roboto" panose="02000000000000000000" pitchFamily="2" charset="0"/>
+              </a:rPr>
+              <a:t>, w</a:t>
+            </a:r>
+            <a:r>
+              <a:rPr lang="en-US" baseline="-25000" dirty="0">
+                <a:solidFill>
+                  <a:srgbClr val="FCFCFC"/>
+                </a:solidFill>
+                <a:latin typeface="Roboto" panose="02000000000000000000" pitchFamily="2" charset="0"/>
+                <a:ea typeface="Roboto" panose="02000000000000000000" pitchFamily="2" charset="0"/>
+                <a:cs typeface="Roboto" panose="02000000000000000000" pitchFamily="2" charset="0"/>
+              </a:rPr>
+              <a:t>2</a:t>
+            </a:r>
+            <a:r>
+              <a:rPr lang="en-US" dirty="0">
+                <a:solidFill>
+                  <a:srgbClr val="FCFCFC"/>
+                </a:solidFill>
+                <a:latin typeface="Roboto" panose="02000000000000000000" pitchFamily="2" charset="0"/>
+                <a:ea typeface="Roboto" panose="02000000000000000000" pitchFamily="2" charset="0"/>
+                <a:cs typeface="Roboto" panose="02000000000000000000" pitchFamily="2" charset="0"/>
+              </a:rPr>
+              <a:t>, …, </a:t>
+            </a:r>
+            <a:r>
+              <a:rPr lang="en-US" dirty="0" err="1">
+                <a:solidFill>
+                  <a:srgbClr val="FCFCFC"/>
+                </a:solidFill>
+                <a:latin typeface="Roboto" panose="02000000000000000000" pitchFamily="2" charset="0"/>
+                <a:ea typeface="Roboto" panose="02000000000000000000" pitchFamily="2" charset="0"/>
+                <a:cs typeface="Roboto" panose="02000000000000000000" pitchFamily="2" charset="0"/>
+              </a:rPr>
+              <a:t>w</a:t>
+            </a:r>
+            <a:r>
+              <a:rPr lang="en-US" baseline="-25000" dirty="0" err="1">
+                <a:solidFill>
+                  <a:srgbClr val="FCFCFC"/>
+                </a:solidFill>
+                <a:latin typeface="Roboto" panose="02000000000000000000" pitchFamily="2" charset="0"/>
+                <a:ea typeface="Roboto" panose="02000000000000000000" pitchFamily="2" charset="0"/>
+                <a:cs typeface="Roboto" panose="02000000000000000000" pitchFamily="2" charset="0"/>
+              </a:rPr>
+              <a:t>n</a:t>
+            </a:r>
+            <a:r>
+              <a:rPr lang="en-US" dirty="0">
+                <a:solidFill>
+                  <a:srgbClr val="FCFCFC"/>
+                </a:solidFill>
+                <a:latin typeface="Roboto" panose="02000000000000000000" pitchFamily="2" charset="0"/>
+                <a:ea typeface="Roboto" panose="02000000000000000000" pitchFamily="2" charset="0"/>
+                <a:cs typeface="Roboto" panose="02000000000000000000" pitchFamily="2" charset="0"/>
+              </a:rPr>
+              <a:t> and values v</a:t>
+            </a:r>
+            <a:r>
+              <a:rPr lang="en-US" baseline="-25000" dirty="0">
+                <a:solidFill>
+                  <a:srgbClr val="FCFCFC"/>
+                </a:solidFill>
+                <a:latin typeface="Roboto" panose="02000000000000000000" pitchFamily="2" charset="0"/>
+                <a:ea typeface="Roboto" panose="02000000000000000000" pitchFamily="2" charset="0"/>
+                <a:cs typeface="Roboto" panose="02000000000000000000" pitchFamily="2" charset="0"/>
+              </a:rPr>
+              <a:t>1</a:t>
+            </a:r>
+            <a:r>
+              <a:rPr lang="en-US" dirty="0">
+                <a:solidFill>
+                  <a:srgbClr val="FCFCFC"/>
+                </a:solidFill>
+                <a:latin typeface="Roboto" panose="02000000000000000000" pitchFamily="2" charset="0"/>
+                <a:ea typeface="Roboto" panose="02000000000000000000" pitchFamily="2" charset="0"/>
+                <a:cs typeface="Roboto" panose="02000000000000000000" pitchFamily="2" charset="0"/>
+              </a:rPr>
+              <a:t>, v</a:t>
+            </a:r>
+            <a:r>
+              <a:rPr lang="en-US" baseline="-25000" dirty="0">
+                <a:solidFill>
+                  <a:srgbClr val="FCFCFC"/>
+                </a:solidFill>
+                <a:latin typeface="Roboto" panose="02000000000000000000" pitchFamily="2" charset="0"/>
+                <a:ea typeface="Roboto" panose="02000000000000000000" pitchFamily="2" charset="0"/>
+                <a:cs typeface="Roboto" panose="02000000000000000000" pitchFamily="2" charset="0"/>
+              </a:rPr>
+              <a:t>2</a:t>
+            </a:r>
+            <a:r>
+              <a:rPr lang="en-US" dirty="0">
+                <a:solidFill>
+                  <a:srgbClr val="FCFCFC"/>
+                </a:solidFill>
+                <a:latin typeface="Roboto" panose="02000000000000000000" pitchFamily="2" charset="0"/>
+                <a:ea typeface="Roboto" panose="02000000000000000000" pitchFamily="2" charset="0"/>
+                <a:cs typeface="Roboto" panose="02000000000000000000" pitchFamily="2" charset="0"/>
+              </a:rPr>
+              <a:t>, …, </a:t>
+            </a:r>
+            <a:r>
+              <a:rPr lang="en-US" dirty="0" err="1">
+                <a:solidFill>
+                  <a:srgbClr val="FCFCFC"/>
+                </a:solidFill>
+                <a:latin typeface="Roboto" panose="02000000000000000000" pitchFamily="2" charset="0"/>
+                <a:ea typeface="Roboto" panose="02000000000000000000" pitchFamily="2" charset="0"/>
+                <a:cs typeface="Roboto" panose="02000000000000000000" pitchFamily="2" charset="0"/>
+              </a:rPr>
+              <a:t>v</a:t>
+            </a:r>
+            <a:r>
+              <a:rPr lang="en-US" baseline="-25000" dirty="0" err="1">
+                <a:solidFill>
+                  <a:srgbClr val="FCFCFC"/>
+                </a:solidFill>
+                <a:latin typeface="Roboto" panose="02000000000000000000" pitchFamily="2" charset="0"/>
+                <a:ea typeface="Roboto" panose="02000000000000000000" pitchFamily="2" charset="0"/>
+                <a:cs typeface="Roboto" panose="02000000000000000000" pitchFamily="2" charset="0"/>
+              </a:rPr>
+              <a:t>n</a:t>
+            </a:r>
+            <a:r>
+              <a:rPr lang="en-US" dirty="0">
+                <a:solidFill>
+                  <a:srgbClr val="FCFCFC"/>
+                </a:solidFill>
+                <a:latin typeface="Roboto" panose="02000000000000000000" pitchFamily="2" charset="0"/>
+                <a:ea typeface="Roboto" panose="02000000000000000000" pitchFamily="2" charset="0"/>
+                <a:cs typeface="Roboto" panose="02000000000000000000" pitchFamily="2" charset="0"/>
+              </a:rPr>
+              <a:t> and a knapsack capacity W.</a:t>
+            </a:r>
+          </a:p>
+          <a:p>
+            <a:r>
+              <a:rPr lang="en-US" dirty="0">
+                <a:solidFill>
+                  <a:srgbClr val="FCFCFC"/>
+                </a:solidFill>
+                <a:latin typeface="Roboto" panose="02000000000000000000" pitchFamily="2" charset="0"/>
+                <a:ea typeface="Roboto" panose="02000000000000000000" pitchFamily="2" charset="0"/>
+                <a:cs typeface="Roboto" panose="02000000000000000000" pitchFamily="2" charset="0"/>
+              </a:rPr>
+              <a:t>Find the most valuable subset of items fitting in W.</a:t>
+            </a:r>
+          </a:p>
+        </p:txBody>
+      </p:sp>
+      <p:pic>
+        <p:nvPicPr>
+          <p:cNvPr id="6" name="Picture 5">
+            <a:extLst>
+              <a:ext uri="{FF2B5EF4-FFF2-40B4-BE49-F238E27FC236}">
+                <a16:creationId xmlns:a16="http://schemas.microsoft.com/office/drawing/2014/main" id="{04335184-34F9-1173-7BF7-221498C7B237}"/>
+              </a:ext>
+            </a:extLst>
+          </p:cNvPr>
+          <p:cNvPicPr>
+            <a:picLocks noChangeAspect="1"/>
+          </p:cNvPicPr>
+          <p:nvPr/>
+        </p:nvPicPr>
+        <p:blipFill>
+          <a:blip r:embed="rId2"/>
+          <a:stretch>
+            <a:fillRect/>
+          </a:stretch>
+        </p:blipFill>
+        <p:spPr>
+          <a:xfrm>
+            <a:off x="4591223" y="3591830"/>
+            <a:ext cx="3286584" cy="1495634"/>
+          </a:xfrm>
+          <a:prstGeom prst="rect">
+            <a:avLst/>
+          </a:prstGeom>
+        </p:spPr>
+      </p:pic>
+      <p:pic>
+        <p:nvPicPr>
+          <p:cNvPr id="8" name="Picture 7">
+            <a:extLst>
+              <a:ext uri="{FF2B5EF4-FFF2-40B4-BE49-F238E27FC236}">
+                <a16:creationId xmlns:a16="http://schemas.microsoft.com/office/drawing/2014/main" id="{6A40577E-9DF9-EBD9-85E2-D29A066FEEB9}"/>
+              </a:ext>
+            </a:extLst>
+          </p:cNvPr>
+          <p:cNvPicPr>
+            <a:picLocks noChangeAspect="1"/>
+          </p:cNvPicPr>
+          <p:nvPr/>
+        </p:nvPicPr>
+        <p:blipFill>
+          <a:blip r:embed="rId3"/>
+          <a:stretch>
+            <a:fillRect/>
+          </a:stretch>
+        </p:blipFill>
+        <p:spPr>
+          <a:xfrm>
+            <a:off x="4591223" y="5310184"/>
+            <a:ext cx="3341133" cy="724856"/>
+          </a:xfrm>
+          <a:prstGeom prst="rect">
+            <a:avLst/>
+          </a:prstGeom>
         </p:spPr>
       </p:pic>
     </p:spTree>
     <p:extLst>
       <p:ext uri="{BB962C8B-B14F-4D97-AF65-F5344CB8AC3E}">
-        <p14:creationId xmlns:p14="http://schemas.microsoft.com/office/powerpoint/2010/main" val="2390319340"/>
+        <p14:creationId xmlns:p14="http://schemas.microsoft.com/office/powerpoint/2010/main" val="414811958"/>
       </p:ext>
     </p:extLst>
   </p:cSld>
@@ -19988,6 +19944,166 @@
                 </a:solidFill>
                 <a:latin typeface="Montserrat Black" panose="00000A00000000000000" pitchFamily="50" charset="0"/>
               </a:rPr>
+              <a:t>Any question?</a:t>
+            </a:r>
+            <a:endParaRPr lang="id-ID" sz="4800" dirty="0">
+              <a:solidFill>
+                <a:schemeClr val="bg1"/>
+              </a:solidFill>
+              <a:latin typeface="Montserrat Black" panose="00000A00000000000000" pitchFamily="50" charset="0"/>
+            </a:endParaRPr>
+          </a:p>
+        </p:txBody>
+      </p:sp>
+      <p:sp>
+        <p:nvSpPr>
+          <p:cNvPr id="3" name="Slide Number Placeholder 2">
+            <a:extLst>
+              <a:ext uri="{FF2B5EF4-FFF2-40B4-BE49-F238E27FC236}">
+                <a16:creationId xmlns:a16="http://schemas.microsoft.com/office/drawing/2014/main" id="{0B50EF00-33CB-01B2-FF75-87D32AB44D17}"/>
+              </a:ext>
+            </a:extLst>
+          </p:cNvPr>
+          <p:cNvSpPr>
+            <a:spLocks noGrp="1"/>
+          </p:cNvSpPr>
+          <p:nvPr>
+            <p:ph type="sldNum" sz="quarter" idx="18"/>
+          </p:nvPr>
+        </p:nvSpPr>
+        <p:spPr/>
+        <p:txBody>
+          <a:bodyPr/>
+          <a:lstStyle/>
+          <a:p>
+            <a:fld id="{3283E293-DE0D-4086-B865-FFFB17575F2B}" type="slidenum">
+              <a:rPr lang="en-US" smtClean="0"/>
+              <a:t>34</a:t>
+            </a:fld>
+            <a:endParaRPr lang="en-US"/>
+          </a:p>
+        </p:txBody>
+      </p:sp>
+      <p:pic>
+        <p:nvPicPr>
+          <p:cNvPr id="1026" name="Picture 2">
+            <a:extLst>
+              <a:ext uri="{FF2B5EF4-FFF2-40B4-BE49-F238E27FC236}">
+                <a16:creationId xmlns:a16="http://schemas.microsoft.com/office/drawing/2014/main" id="{DA80E007-A2CE-34E4-4A0C-38B95BF59F90}"/>
+              </a:ext>
+            </a:extLst>
+          </p:cNvPr>
+          <p:cNvPicPr>
+            <a:picLocks noChangeAspect="1" noChangeArrowheads="1"/>
+          </p:cNvPicPr>
+          <p:nvPr/>
+        </p:nvPicPr>
+        <p:blipFill>
+          <a:blip r:embed="rId2">
+            <a:extLst>
+              <a:ext uri="{28A0092B-C50C-407E-A947-70E740481C1C}">
+                <a14:useLocalDpi xmlns:a14="http://schemas.microsoft.com/office/drawing/2010/main" val="0"/>
+              </a:ext>
+            </a:extLst>
+          </a:blip>
+          <a:srcRect/>
+          <a:stretch>
+            <a:fillRect/>
+          </a:stretch>
+        </p:blipFill>
+        <p:spPr bwMode="auto">
+          <a:xfrm>
+            <a:off x="4760002" y="2093002"/>
+            <a:ext cx="2671996" cy="2671996"/>
+          </a:xfrm>
+          <a:prstGeom prst="rect">
+            <a:avLst/>
+          </a:prstGeom>
+          <a:noFill/>
+          <a:extLst>
+            <a:ext uri="{909E8E84-426E-40DD-AFC4-6F175D3DCCD1}">
+              <a14:hiddenFill xmlns:a14="http://schemas.microsoft.com/office/drawing/2010/main">
+                <a:solidFill>
+                  <a:srgbClr val="FFFFFF"/>
+                </a:solidFill>
+              </a14:hiddenFill>
+            </a:ext>
+          </a:extLst>
+        </p:spPr>
+      </p:pic>
+    </p:spTree>
+    <p:extLst>
+      <p:ext uri="{BB962C8B-B14F-4D97-AF65-F5344CB8AC3E}">
+        <p14:creationId xmlns:p14="http://schemas.microsoft.com/office/powerpoint/2010/main" val="2390319340"/>
+      </p:ext>
+    </p:extLst>
+  </p:cSld>
+  <p:clrMapOvr>
+    <a:masterClrMapping/>
+  </p:clrMapOvr>
+</p:sld>
+</file>
+
+<file path=ppt/slides/slide35.xml><?xml version="1.0" encoding="utf-8"?>
+<p:sld xmlns:a="http://schemas.openxmlformats.org/drawingml/2006/main" xmlns:r="http://schemas.openxmlformats.org/officeDocument/2006/relationships" xmlns:p="http://schemas.openxmlformats.org/presentationml/2006/main">
+  <p:cSld>
+    <p:spTree>
+      <p:nvGrpSpPr>
+        <p:cNvPr id="1" name=""/>
+        <p:cNvGrpSpPr/>
+        <p:nvPr/>
+      </p:nvGrpSpPr>
+      <p:grpSpPr>
+        <a:xfrm>
+          <a:off x="0" y="0"/>
+          <a:ext cx="0" cy="0"/>
+          <a:chOff x="0" y="0"/>
+          <a:chExt cx="0" cy="0"/>
+        </a:xfrm>
+      </p:grpSpPr>
+      <p:sp>
+        <p:nvSpPr>
+          <p:cNvPr id="7" name="TextBox 6">
+            <a:extLst>
+              <a:ext uri="{FF2B5EF4-FFF2-40B4-BE49-F238E27FC236}">
+                <a16:creationId xmlns:a16="http://schemas.microsoft.com/office/drawing/2014/main" id="{5E9F7702-AEF4-4C43-A176-35FB44FAA5AF}"/>
+              </a:ext>
+            </a:extLst>
+          </p:cNvPr>
+          <p:cNvSpPr txBox="1"/>
+          <p:nvPr/>
+        </p:nvSpPr>
+        <p:spPr>
+          <a:xfrm>
+            <a:off x="1307592" y="938131"/>
+            <a:ext cx="9747504" cy="811889"/>
+          </a:xfrm>
+          <a:prstGeom prst="rect">
+            <a:avLst/>
+          </a:prstGeom>
+          <a:noFill/>
+          <a:ln>
+            <a:noFill/>
+          </a:ln>
+        </p:spPr>
+        <p:txBody>
+          <a:bodyPr wrap="square" rtlCol="0">
+            <a:spAutoFit/>
+          </a:bodyPr>
+          <a:lstStyle/>
+          <a:p>
+            <a:pPr algn="ctr">
+              <a:lnSpc>
+                <a:spcPts val="5900"/>
+              </a:lnSpc>
+            </a:pPr>
+            <a:r>
+              <a:rPr lang="en-US" sz="4800" dirty="0">
+                <a:solidFill>
+                  <a:schemeClr val="bg1"/>
+                </a:solidFill>
+                <a:latin typeface="Montserrat Black" panose="00000A00000000000000" pitchFamily="50" charset="0"/>
+              </a:rPr>
               <a:t>Thanks for listening</a:t>
             </a:r>
             <a:endParaRPr lang="id-ID" sz="4800" dirty="0">
@@ -20022,7 +20138,7 @@
           <a:p>
             <a:fld id="{3283E293-DE0D-4086-B865-FFFB17575F2B}" type="slidenum">
               <a:rPr lang="en-US" smtClean="0"/>
-              <a:t>34</a:t>
+              <a:t>35</a:t>
             </a:fld>
             <a:endParaRPr lang="en-US"/>
           </a:p>
